--- a/Courses/Software-Sciences/Module-2-DS-and-Algo-New/19.1-Unit-Testing-Basics/19.1-Unit-Testing-Basics.pptx
+++ b/Courses/Software-Sciences/Module-2-DS-and-Algo-New/19.1-Unit-Testing-Basics/19.1-Unit-Testing-Basics.pptx
@@ -399,7 +399,7 @@
           <a:p>
             <a:fld id="{4E087215-0C8F-4762-A664-737A353EC9A4}" type="datetimeFigureOut">
               <a:rPr lang="bg-BG" smtClean="0"/>
-              <a:t>12.6.2023 г.</a:t>
+              <a:t>10.7.2023 г.</a:t>
             </a:fld>
             <a:endParaRPr lang="bg-BG" dirty="0"/>
           </a:p>
@@ -590,7 +590,7 @@
           <a:p>
             <a:fld id="{72D84649-876A-46C9-8472-14CB09C070D8}" type="datetimeFigureOut">
               <a:rPr lang="en-US" smtClean="0"/>
-              <a:t>6/12/2023</a:t>
+              <a:t>7/10/2023</a:t>
             </a:fld>
             <a:endParaRPr lang="en-US" dirty="0"/>
           </a:p>
@@ -28734,7 +28734,7 @@
               <a:rPr lang="en-US" sz="1799" u="sng" dirty="0">
                 <a:hlinkClick r:id="rId2"/>
               </a:rPr>
-              <a:t>https://judge.softuni.bg/Contests/Practice/Index/3162#0</a:t>
+              <a:t>https://judge.softuni.org/Contests/Practice/Index/4180#0</a:t>
             </a:r>
             <a:endParaRPr lang="en-US" sz="1799" dirty="0"/>
           </a:p>
